--- a/Vortrag/Vortrag Überarbeitet.pptx
+++ b/Vortrag/Vortrag Überarbeitet.pptx
@@ -168,6 +168,10 @@
 </p:presentation>
 </file>
 
+<file path=ppt/revisionInfo.xml><?xml version="1.0" encoding="utf-8"?>
+<p1510:revInfo xmlns:a="http://schemas.openxmlformats.org/drawingml/2006/main" xmlns:r="http://schemas.openxmlformats.org/officeDocument/2006/relationships" xmlns:p1510="http://schemas.microsoft.com/office/powerpoint/2015/10/main"/>
+</file>
+
 <file path=ppt/notesMasters/notesMaster1.xml><?xml version="1.0" encoding="utf-8"?>
 <p:notesMaster xmlns:a="http://schemas.openxmlformats.org/drawingml/2006/main" xmlns:r="http://schemas.openxmlformats.org/officeDocument/2006/relationships" xmlns:p="http://schemas.openxmlformats.org/presentationml/2006/main">
   <p:cSld>
@@ -687,7 +691,7 @@
           <a:p>
             <a:fld id="{FD39AED4-0914-4184-8CEC-8E6320DB219A}" type="slidenum">
               <a:rPr lang="de-DE" smtClean="0"/>
-              <a:t>15</a:t>
+              <a:t>14</a:t>
             </a:fld>
             <a:endParaRPr lang="de-DE"/>
           </a:p>
@@ -696,7 +700,7 @@
     </p:spTree>
     <p:extLst>
       <p:ext uri="{BB962C8B-B14F-4D97-AF65-F5344CB8AC3E}">
-        <p14:creationId xmlns:p14="http://schemas.microsoft.com/office/powerpoint/2010/main" val="1073063598"/>
+        <p14:creationId xmlns:p14="http://schemas.microsoft.com/office/powerpoint/2010/main" val="3465016644"/>
       </p:ext>
     </p:extLst>
   </p:cSld>
@@ -750,93 +754,6 @@
           <a:bodyPr/>
           <a:lstStyle/>
           <a:p>
-            <a:r>
-              <a:rPr lang="de-DE" dirty="0"/>
-              <a:t>Fehlerfälle sind fälle in denen die Eingabedatei falsch Formatiert ist</a:t>
-            </a:r>
-          </a:p>
-          <a:p>
-            <a:endParaRPr lang="de-DE" dirty="0"/>
-          </a:p>
-          <a:p>
-            <a:r>
-              <a:rPr lang="de-DE" b="1" dirty="0"/>
-              <a:t>Sonderfall-Grenzen</a:t>
-            </a:r>
-            <a:r>
-              <a:rPr lang="de-DE" dirty="0"/>
-              <a:t>:  Es werden nur Änderungen bis exakt 24 berücksichtigt</a:t>
-            </a:r>
-          </a:p>
-          <a:p>
-            <a:endParaRPr lang="de-DE" dirty="0"/>
-          </a:p>
-          <a:p>
-            <a:r>
-              <a:rPr lang="de-DE" b="1" dirty="0"/>
-              <a:t>Sonderfall-</a:t>
-            </a:r>
-            <a:r>
-              <a:rPr lang="de-DE" b="1" dirty="0" err="1"/>
-              <a:t>IdentischePolynome</a:t>
-            </a:r>
-            <a:r>
-              <a:rPr lang="de-DE" dirty="0"/>
-              <a:t>: Soll zeigen dass Abstellung vor Nachfrage und Bedarf sich nicht ändert</a:t>
-            </a:r>
-          </a:p>
-          <a:p>
-            <a:endParaRPr lang="de-DE" dirty="0"/>
-          </a:p>
-          <a:p>
-            <a:r>
-              <a:rPr lang="de-DE" b="1" dirty="0"/>
-              <a:t>Sonderfall-</a:t>
-            </a:r>
-            <a:r>
-              <a:rPr lang="de-DE" b="1" dirty="0" err="1"/>
-              <a:t>LangeZahlen</a:t>
-            </a:r>
-            <a:r>
-              <a:rPr lang="de-DE" dirty="0"/>
-              <a:t>: Soll zeigen dass Zahlen mit langen Nachkommastellen eingelesen werden können</a:t>
-            </a:r>
-          </a:p>
-          <a:p>
-            <a:endParaRPr lang="de-DE" dirty="0"/>
-          </a:p>
-          <a:p>
-            <a:r>
-              <a:rPr lang="de-DE" b="1" dirty="0"/>
-              <a:t>Sonderfall-</a:t>
-            </a:r>
-            <a:r>
-              <a:rPr lang="de-DE" b="1" dirty="0" err="1"/>
-              <a:t>GroßeZahlen</a:t>
-            </a:r>
-            <a:r>
-              <a:rPr lang="de-DE" dirty="0"/>
-              <a:t>: Polynome mit großer Steigung =&gt; viele NST =&gt; lange Rechenzeit</a:t>
-            </a:r>
-          </a:p>
-          <a:p>
-            <a:endParaRPr lang="de-DE" dirty="0"/>
-          </a:p>
-          <a:p>
-            <a:r>
-              <a:rPr lang="de-DE" b="1" dirty="0"/>
-              <a:t>Sonderfall-</a:t>
-            </a:r>
-            <a:r>
-              <a:rPr lang="de-DE" b="1" dirty="0" err="1"/>
-              <a:t>GroßeStadt</a:t>
-            </a:r>
-            <a:r>
-              <a:rPr lang="de-DE" dirty="0"/>
-              <a:t>: Viele Quadrate =&gt;viele Polynome =&gt;  viele NST =&gt; lange Rechenzeit</a:t>
-            </a:r>
-          </a:p>
-          <a:p>
             <a:endParaRPr lang="de-DE" dirty="0"/>
           </a:p>
         </p:txBody>
@@ -858,6 +775,177 @@
           <a:p>
             <a:fld id="{FD39AED4-0914-4184-8CEC-8E6320DB219A}" type="slidenum">
               <a:rPr lang="de-DE" smtClean="0"/>
+              <a:t>15</a:t>
+            </a:fld>
+            <a:endParaRPr lang="de-DE"/>
+          </a:p>
+        </p:txBody>
+      </p:sp>
+    </p:spTree>
+    <p:extLst>
+      <p:ext uri="{BB962C8B-B14F-4D97-AF65-F5344CB8AC3E}">
+        <p14:creationId xmlns:p14="http://schemas.microsoft.com/office/powerpoint/2010/main" val="1073063598"/>
+      </p:ext>
+    </p:extLst>
+  </p:cSld>
+  <p:clrMapOvr>
+    <a:masterClrMapping/>
+  </p:clrMapOvr>
+</p:notes>
+</file>
+
+<file path=ppt/notesSlides/notesSlide12.xml><?xml version="1.0" encoding="utf-8"?>
+<p:notes xmlns:a="http://schemas.openxmlformats.org/drawingml/2006/main" xmlns:r="http://schemas.openxmlformats.org/officeDocument/2006/relationships" xmlns:p="http://schemas.openxmlformats.org/presentationml/2006/main">
+  <p:cSld>
+    <p:spTree>
+      <p:nvGrpSpPr>
+        <p:cNvPr id="1" name=""/>
+        <p:cNvGrpSpPr/>
+        <p:nvPr/>
+      </p:nvGrpSpPr>
+      <p:grpSpPr>
+        <a:xfrm>
+          <a:off x="0" y="0"/>
+          <a:ext cx="0" cy="0"/>
+          <a:chOff x="0" y="0"/>
+          <a:chExt cx="0" cy="0"/>
+        </a:xfrm>
+      </p:grpSpPr>
+      <p:sp>
+        <p:nvSpPr>
+          <p:cNvPr id="2" name="Folienbildplatzhalter 1"/>
+          <p:cNvSpPr>
+            <a:spLocks noGrp="1" noRot="1" noChangeAspect="1"/>
+          </p:cNvSpPr>
+          <p:nvPr>
+            <p:ph type="sldImg"/>
+          </p:nvPr>
+        </p:nvSpPr>
+        <p:spPr/>
+      </p:sp>
+      <p:sp>
+        <p:nvSpPr>
+          <p:cNvPr id="3" name="Notizenplatzhalter 2"/>
+          <p:cNvSpPr>
+            <a:spLocks noGrp="1"/>
+          </p:cNvSpPr>
+          <p:nvPr>
+            <p:ph type="body" idx="1"/>
+          </p:nvPr>
+        </p:nvSpPr>
+        <p:spPr/>
+        <p:txBody>
+          <a:bodyPr/>
+          <a:lstStyle/>
+          <a:p>
+            <a:r>
+              <a:rPr lang="de-DE" dirty="0"/>
+              <a:t>Fehlerfälle sind fälle in denen die Eingabedatei falsch Formatiert ist</a:t>
+            </a:r>
+          </a:p>
+          <a:p>
+            <a:endParaRPr lang="de-DE" dirty="0"/>
+          </a:p>
+          <a:p>
+            <a:r>
+              <a:rPr lang="de-DE" b="1" dirty="0"/>
+              <a:t>Sonderfall-Grenzen</a:t>
+            </a:r>
+            <a:r>
+              <a:rPr lang="de-DE" dirty="0"/>
+              <a:t>:  Es werden nur Änderungen bis exakt 24 berücksichtigt</a:t>
+            </a:r>
+          </a:p>
+          <a:p>
+            <a:endParaRPr lang="de-DE" dirty="0"/>
+          </a:p>
+          <a:p>
+            <a:r>
+              <a:rPr lang="de-DE" b="1" dirty="0"/>
+              <a:t>Sonderfall-</a:t>
+            </a:r>
+            <a:r>
+              <a:rPr lang="de-DE" b="1" dirty="0" err="1"/>
+              <a:t>IdentischePolynome</a:t>
+            </a:r>
+            <a:r>
+              <a:rPr lang="de-DE" dirty="0"/>
+              <a:t>: Soll zeigen dass Abstellung vor Nachfrage und Bedarf sich nicht ändert</a:t>
+            </a:r>
+          </a:p>
+          <a:p>
+            <a:endParaRPr lang="de-DE" dirty="0"/>
+          </a:p>
+          <a:p>
+            <a:r>
+              <a:rPr lang="de-DE" b="1" dirty="0"/>
+              <a:t>Sonderfall-</a:t>
+            </a:r>
+            <a:r>
+              <a:rPr lang="de-DE" b="1" dirty="0" err="1"/>
+              <a:t>LangeZahlen</a:t>
+            </a:r>
+            <a:r>
+              <a:rPr lang="de-DE" dirty="0"/>
+              <a:t>: Soll zeigen dass Zahlen mit langen Nachkommastellen eingelesen werden können</a:t>
+            </a:r>
+          </a:p>
+          <a:p>
+            <a:endParaRPr lang="de-DE" dirty="0"/>
+          </a:p>
+          <a:p>
+            <a:r>
+              <a:rPr lang="de-DE" b="1" dirty="0"/>
+              <a:t>Sonderfall-</a:t>
+            </a:r>
+            <a:r>
+              <a:rPr lang="de-DE" b="1" dirty="0" err="1"/>
+              <a:t>GroßeZahlen</a:t>
+            </a:r>
+            <a:r>
+              <a:rPr lang="de-DE" dirty="0"/>
+              <a:t>: Polynome mit großer Steigung =&gt; viele NST =&gt; lange Rechenzeit</a:t>
+            </a:r>
+          </a:p>
+          <a:p>
+            <a:endParaRPr lang="de-DE" dirty="0"/>
+          </a:p>
+          <a:p>
+            <a:r>
+              <a:rPr lang="de-DE" b="1" dirty="0"/>
+              <a:t>Sonderfall-</a:t>
+            </a:r>
+            <a:r>
+              <a:rPr lang="de-DE" b="1" dirty="0" err="1"/>
+              <a:t>GroßeStadt</a:t>
+            </a:r>
+            <a:r>
+              <a:rPr lang="de-DE" dirty="0"/>
+              <a:t>: Viele Quadrate =&gt;viele Polynome =&gt;  viele NST =&gt; lange Rechenzeit</a:t>
+            </a:r>
+          </a:p>
+          <a:p>
+            <a:endParaRPr lang="de-DE" dirty="0"/>
+          </a:p>
+        </p:txBody>
+      </p:sp>
+      <p:sp>
+        <p:nvSpPr>
+          <p:cNvPr id="4" name="Foliennummernplatzhalter 3"/>
+          <p:cNvSpPr>
+            <a:spLocks noGrp="1"/>
+          </p:cNvSpPr>
+          <p:nvPr>
+            <p:ph type="sldNum" sz="quarter" idx="10"/>
+          </p:nvPr>
+        </p:nvSpPr>
+        <p:spPr/>
+        <p:txBody>
+          <a:bodyPr/>
+          <a:lstStyle/>
+          <a:p>
+            <a:fld id="{FD39AED4-0914-4184-8CEC-8E6320DB219A}" type="slidenum">
+              <a:rPr lang="de-DE" smtClean="0"/>
               <a:t>17</a:t>
             </a:fld>
             <a:endParaRPr lang="de-DE"/>
@@ -877,7 +965,7 @@
 </p:notes>
 </file>
 
-<file path=ppt/notesSlides/notesSlide12.xml><?xml version="1.0" encoding="utf-8"?>
+<file path=ppt/notesSlides/notesSlide13.xml><?xml version="1.0" encoding="utf-8"?>
 <p:notes xmlns:a="http://schemas.openxmlformats.org/drawingml/2006/main" xmlns:r="http://schemas.openxmlformats.org/officeDocument/2006/relationships" xmlns:p="http://schemas.openxmlformats.org/presentationml/2006/main">
   <p:cSld>
     <p:spTree>
@@ -1258,7 +1346,7 @@
           <a:p>
             <a:fld id="{FD39AED4-0914-4184-8CEC-8E6320DB219A}" type="slidenum">
               <a:rPr lang="de-DE" smtClean="0"/>
-              <a:t>7</a:t>
+              <a:t>6</a:t>
             </a:fld>
             <a:endParaRPr lang="de-DE"/>
           </a:p>
@@ -1267,7 +1355,7 @@
     </p:spTree>
     <p:extLst>
       <p:ext uri="{BB962C8B-B14F-4D97-AF65-F5344CB8AC3E}">
-        <p14:creationId xmlns:p14="http://schemas.microsoft.com/office/powerpoint/2010/main" val="174198303"/>
+        <p14:creationId xmlns:p14="http://schemas.microsoft.com/office/powerpoint/2010/main" val="4278956226"/>
       </p:ext>
     </p:extLst>
   </p:cSld>
@@ -1321,52 +1409,6 @@
           <a:bodyPr/>
           <a:lstStyle/>
           <a:p>
-            <a:r>
-              <a:rPr lang="de-DE" dirty="0" err="1"/>
-              <a:t>AngebotVerteilung</a:t>
-            </a:r>
-            <a:r>
-              <a:rPr lang="de-DE" dirty="0"/>
-              <a:t> =&gt; Polynome (Abstellung) für jedes Quadrat</a:t>
-            </a:r>
-          </a:p>
-          <a:p>
-            <a:r>
-              <a:rPr lang="de-DE" dirty="0"/>
-              <a:t>M =&gt; Größe der Stadt</a:t>
-            </a:r>
-          </a:p>
-          <a:p>
-            <a:pPr marL="0" marR="0" lvl="0" indent="0" algn="l" defTabSz="914400" rtl="0" eaLnBrk="1" fontAlgn="auto" latinLnBrk="0" hangingPunct="1">
-              <a:lnSpc>
-                <a:spcPct val="100000"/>
-              </a:lnSpc>
-              <a:spcBef>
-                <a:spcPts val="0"/>
-              </a:spcBef>
-              <a:spcAft>
-                <a:spcPts val="0"/>
-              </a:spcAft>
-              <a:buClrTx/>
-              <a:buSzTx/>
-              <a:buFontTx/>
-              <a:buNone/>
-              <a:tabLst/>
-              <a:defRPr/>
-            </a:pPr>
-            <a:r>
-              <a:rPr lang="de-DE" dirty="0" err="1"/>
-              <a:t>NachfrageVerteilung</a:t>
-            </a:r>
-            <a:r>
-              <a:rPr lang="de-DE" dirty="0"/>
-              <a:t> =&gt; Polynome (Nachfrage) für jedes Quadrat</a:t>
-            </a:r>
-          </a:p>
-          <a:p>
-            <a:endParaRPr lang="de-DE" dirty="0"/>
-          </a:p>
-          <a:p>
             <a:endParaRPr lang="de-DE" dirty="0"/>
           </a:p>
         </p:txBody>
@@ -1388,7 +1430,7 @@
           <a:p>
             <a:fld id="{FD39AED4-0914-4184-8CEC-8E6320DB219A}" type="slidenum">
               <a:rPr lang="de-DE" smtClean="0"/>
-              <a:t>9</a:t>
+              <a:t>7</a:t>
             </a:fld>
             <a:endParaRPr lang="de-DE"/>
           </a:p>
@@ -1397,7 +1439,7 @@
     </p:spTree>
     <p:extLst>
       <p:ext uri="{BB962C8B-B14F-4D97-AF65-F5344CB8AC3E}">
-        <p14:creationId xmlns:p14="http://schemas.microsoft.com/office/powerpoint/2010/main" val="1536775808"/>
+        <p14:creationId xmlns:p14="http://schemas.microsoft.com/office/powerpoint/2010/main" val="174198303"/>
       </p:ext>
     </p:extLst>
   </p:cSld>
@@ -1452,9 +1494,52 @@
           <a:lstStyle/>
           <a:p>
             <a:r>
+              <a:rPr lang="de-DE" dirty="0" err="1"/>
+              <a:t>AngebotVerteilung</a:t>
+            </a:r>
+            <a:r>
               <a:rPr lang="de-DE" dirty="0"/>
-              <a:t>(Nur ganz kurz erläutern)</a:t>
+              <a:t> =&gt; Polynome (Abstellung) für jedes Quadrat</a:t>
             </a:r>
+          </a:p>
+          <a:p>
+            <a:r>
+              <a:rPr lang="de-DE" dirty="0"/>
+              <a:t>M =&gt; Größe der Stadt</a:t>
+            </a:r>
+          </a:p>
+          <a:p>
+            <a:pPr marL="0" marR="0" lvl="0" indent="0" algn="l" defTabSz="914400" rtl="0" eaLnBrk="1" fontAlgn="auto" latinLnBrk="0" hangingPunct="1">
+              <a:lnSpc>
+                <a:spcPct val="100000"/>
+              </a:lnSpc>
+              <a:spcBef>
+                <a:spcPts val="0"/>
+              </a:spcBef>
+              <a:spcAft>
+                <a:spcPts val="0"/>
+              </a:spcAft>
+              <a:buClrTx/>
+              <a:buSzTx/>
+              <a:buFontTx/>
+              <a:buNone/>
+              <a:tabLst/>
+              <a:defRPr/>
+            </a:pPr>
+            <a:r>
+              <a:rPr lang="de-DE" dirty="0" err="1"/>
+              <a:t>NachfrageVerteilung</a:t>
+            </a:r>
+            <a:r>
+              <a:rPr lang="de-DE" dirty="0"/>
+              <a:t> =&gt; Polynome (Nachfrage) für jedes Quadrat</a:t>
+            </a:r>
+          </a:p>
+          <a:p>
+            <a:endParaRPr lang="de-DE" dirty="0"/>
+          </a:p>
+          <a:p>
+            <a:endParaRPr lang="de-DE" dirty="0"/>
           </a:p>
         </p:txBody>
       </p:sp>
@@ -1475,7 +1560,7 @@
           <a:p>
             <a:fld id="{FD39AED4-0914-4184-8CEC-8E6320DB219A}" type="slidenum">
               <a:rPr lang="de-DE" smtClean="0"/>
-              <a:t>10</a:t>
+              <a:t>9</a:t>
             </a:fld>
             <a:endParaRPr lang="de-DE"/>
           </a:p>
@@ -1484,7 +1569,7 @@
     </p:spTree>
     <p:extLst>
       <p:ext uri="{BB962C8B-B14F-4D97-AF65-F5344CB8AC3E}">
-        <p14:creationId xmlns:p14="http://schemas.microsoft.com/office/powerpoint/2010/main" val="3083032628"/>
+        <p14:creationId xmlns:p14="http://schemas.microsoft.com/office/powerpoint/2010/main" val="1536775808"/>
       </p:ext>
     </p:extLst>
   </p:cSld>
@@ -1523,8 +1608,95 @@
         </p:nvSpPr>
         <p:spPr/>
       </p:sp>
-      <mc:AlternateContent xmlns:mc="http://schemas.openxmlformats.org/markup-compatibility/2006">
-        <mc:Choice xmlns:a14="http://schemas.microsoft.com/office/drawing/2010/main" Requires="a14">
+      <p:sp>
+        <p:nvSpPr>
+          <p:cNvPr id="3" name="Notizenplatzhalter 2"/>
+          <p:cNvSpPr>
+            <a:spLocks noGrp="1"/>
+          </p:cNvSpPr>
+          <p:nvPr>
+            <p:ph type="body" idx="1"/>
+          </p:nvPr>
+        </p:nvSpPr>
+        <p:spPr/>
+        <p:txBody>
+          <a:bodyPr/>
+          <a:lstStyle/>
+          <a:p>
+            <a:r>
+              <a:rPr lang="de-DE" dirty="0"/>
+              <a:t>(Nur ganz kurz erläutern)</a:t>
+            </a:r>
+          </a:p>
+        </p:txBody>
+      </p:sp>
+      <p:sp>
+        <p:nvSpPr>
+          <p:cNvPr id="4" name="Foliennummernplatzhalter 3"/>
+          <p:cNvSpPr>
+            <a:spLocks noGrp="1"/>
+          </p:cNvSpPr>
+          <p:nvPr>
+            <p:ph type="sldNum" sz="quarter" idx="10"/>
+          </p:nvPr>
+        </p:nvSpPr>
+        <p:spPr/>
+        <p:txBody>
+          <a:bodyPr/>
+          <a:lstStyle/>
+          <a:p>
+            <a:fld id="{FD39AED4-0914-4184-8CEC-8E6320DB219A}" type="slidenum">
+              <a:rPr lang="de-DE" smtClean="0"/>
+              <a:t>10</a:t>
+            </a:fld>
+            <a:endParaRPr lang="de-DE"/>
+          </a:p>
+        </p:txBody>
+      </p:sp>
+    </p:spTree>
+    <p:extLst>
+      <p:ext uri="{BB962C8B-B14F-4D97-AF65-F5344CB8AC3E}">
+        <p14:creationId xmlns:p14="http://schemas.microsoft.com/office/powerpoint/2010/main" val="3083032628"/>
+      </p:ext>
+    </p:extLst>
+  </p:cSld>
+  <p:clrMapOvr>
+    <a:masterClrMapping/>
+  </p:clrMapOvr>
+</p:notes>
+</file>
+
+<file path=ppt/notesSlides/notesSlide7.xml><?xml version="1.0" encoding="utf-8"?>
+<p:notes xmlns:a="http://schemas.openxmlformats.org/drawingml/2006/main" xmlns:r="http://schemas.openxmlformats.org/officeDocument/2006/relationships" xmlns:p="http://schemas.openxmlformats.org/presentationml/2006/main">
+  <p:cSld>
+    <p:spTree>
+      <p:nvGrpSpPr>
+        <p:cNvPr id="1" name=""/>
+        <p:cNvGrpSpPr/>
+        <p:nvPr/>
+      </p:nvGrpSpPr>
+      <p:grpSpPr>
+        <a:xfrm>
+          <a:off x="0" y="0"/>
+          <a:ext cx="0" cy="0"/>
+          <a:chOff x="0" y="0"/>
+          <a:chExt cx="0" cy="0"/>
+        </a:xfrm>
+      </p:grpSpPr>
+      <p:sp>
+        <p:nvSpPr>
+          <p:cNvPr id="2" name="Folienbildplatzhalter 1"/>
+          <p:cNvSpPr>
+            <a:spLocks noGrp="1" noRot="1" noChangeAspect="1"/>
+          </p:cNvSpPr>
+          <p:nvPr>
+            <p:ph type="sldImg"/>
+          </p:nvPr>
+        </p:nvSpPr>
+        <p:spPr/>
+      </p:sp>
+      <mc:AlternateContent xmlns:mc="http://schemas.openxmlformats.org/markup-compatibility/2006" xmlns:a14="http://schemas.microsoft.com/office/drawing/2010/main">
+        <mc:Choice Requires="a14">
           <p:sp>
             <p:nvSpPr>
               <p:cNvPr id="3" name="Notizenplatzhalter 2"/>
@@ -1830,7 +2002,7 @@
             </p:txBody>
           </p:sp>
         </mc:Choice>
-        <mc:Fallback>
+        <mc:Fallback xmlns="">
           <p:sp>
             <p:nvSpPr>
               <p:cNvPr id="3" name="Notizenplatzhalter 2"/>
@@ -1942,7 +2114,7 @@
 </p:notes>
 </file>
 
-<file path=ppt/notesSlides/notesSlide7.xml><?xml version="1.0" encoding="utf-8"?>
+<file path=ppt/notesSlides/notesSlide8.xml><?xml version="1.0" encoding="utf-8"?>
 <p:notes xmlns:a="http://schemas.openxmlformats.org/drawingml/2006/main" xmlns:r="http://schemas.openxmlformats.org/officeDocument/2006/relationships" xmlns:p="http://schemas.openxmlformats.org/presentationml/2006/main">
   <p:cSld>
     <p:spTree>
@@ -2320,193 +2492,6 @@
 </p:notes>
 </file>
 
-<file path=ppt/notesSlides/notesSlide8.xml><?xml version="1.0" encoding="utf-8"?>
-<p:notes xmlns:a="http://schemas.openxmlformats.org/drawingml/2006/main" xmlns:r="http://schemas.openxmlformats.org/officeDocument/2006/relationships" xmlns:p="http://schemas.openxmlformats.org/presentationml/2006/main">
-  <p:cSld>
-    <p:spTree>
-      <p:nvGrpSpPr>
-        <p:cNvPr id="1" name=""/>
-        <p:cNvGrpSpPr/>
-        <p:nvPr/>
-      </p:nvGrpSpPr>
-      <p:grpSpPr>
-        <a:xfrm>
-          <a:off x="0" y="0"/>
-          <a:ext cx="0" cy="0"/>
-          <a:chOff x="0" y="0"/>
-          <a:chExt cx="0" cy="0"/>
-        </a:xfrm>
-      </p:grpSpPr>
-      <p:sp>
-        <p:nvSpPr>
-          <p:cNvPr id="2" name="Folienbildplatzhalter 1"/>
-          <p:cNvSpPr>
-            <a:spLocks noGrp="1" noRot="1" noChangeAspect="1"/>
-          </p:cNvSpPr>
-          <p:nvPr>
-            <p:ph type="sldImg"/>
-          </p:nvPr>
-        </p:nvSpPr>
-        <p:spPr/>
-      </p:sp>
-      <p:sp>
-        <p:nvSpPr>
-          <p:cNvPr id="3" name="Notizenplatzhalter 2"/>
-          <p:cNvSpPr>
-            <a:spLocks noGrp="1"/>
-          </p:cNvSpPr>
-          <p:nvPr>
-            <p:ph type="body" idx="1"/>
-          </p:nvPr>
-        </p:nvSpPr>
-        <p:spPr/>
-        <p:txBody>
-          <a:bodyPr/>
-          <a:lstStyle/>
-          <a:p>
-            <a:r>
-              <a:rPr lang="de-DE" dirty="0"/>
-              <a:t>Datenstruktur:</a:t>
-            </a:r>
-          </a:p>
-          <a:p>
-            <a:endParaRPr lang="de-DE" dirty="0"/>
-          </a:p>
-          <a:p>
-            <a:r>
-              <a:rPr lang="de-DE" dirty="0"/>
-              <a:t>Bedarf</a:t>
-            </a:r>
-          </a:p>
-          <a:p>
-            <a:pPr marL="171450" indent="-171450">
-              <a:buFontTx/>
-              <a:buChar char="-"/>
-            </a:pPr>
-            <a:r>
-              <a:rPr lang="de-DE" dirty="0"/>
-              <a:t>Alle Änderungen in einer Liste gespeichert</a:t>
-            </a:r>
-          </a:p>
-          <a:p>
-            <a:pPr marL="171450" indent="-171450">
-              <a:buFontTx/>
-              <a:buChar char="-"/>
-            </a:pPr>
-            <a:endParaRPr lang="de-DE" dirty="0"/>
-          </a:p>
-          <a:p>
-            <a:pPr marL="0" indent="0">
-              <a:buFontTx/>
-              <a:buNone/>
-            </a:pPr>
-            <a:r>
-              <a:rPr lang="de-DE" dirty="0"/>
-              <a:t>Änderung</a:t>
-            </a:r>
-          </a:p>
-          <a:p>
-            <a:pPr marL="171450" indent="-171450">
-              <a:buFontTx/>
-              <a:buChar char="-"/>
-            </a:pPr>
-            <a:r>
-              <a:rPr lang="de-DE" dirty="0"/>
-              <a:t>Nachfrage oder Abstellung</a:t>
-            </a:r>
-          </a:p>
-          <a:p>
-            <a:pPr marL="171450" indent="-171450">
-              <a:buFontTx/>
-              <a:buChar char="-"/>
-            </a:pPr>
-            <a:r>
-              <a:rPr lang="de-DE" dirty="0"/>
-              <a:t>Referenz auf das entsprechende Polynom</a:t>
-            </a:r>
-          </a:p>
-          <a:p>
-            <a:pPr marL="171450" indent="-171450">
-              <a:buFontTx/>
-              <a:buChar char="-"/>
-            </a:pPr>
-            <a:r>
-              <a:rPr lang="de-DE" dirty="0"/>
-              <a:t>Wert  := wievieltes Auto abgestellt oder nachgefragt wird</a:t>
-            </a:r>
-          </a:p>
-          <a:p>
-            <a:pPr marL="171450" indent="-171450">
-              <a:buFontTx/>
-              <a:buChar char="-"/>
-            </a:pPr>
-            <a:endParaRPr lang="de-DE" dirty="0"/>
-          </a:p>
-          <a:p>
-            <a:pPr marL="171450" indent="-171450">
-              <a:buFontTx/>
-              <a:buChar char="-"/>
-            </a:pPr>
-            <a:endParaRPr lang="de-DE" dirty="0"/>
-          </a:p>
-          <a:p>
-            <a:pPr marL="0" indent="0">
-              <a:buFontTx/>
-              <a:buNone/>
-            </a:pPr>
-            <a:r>
-              <a:rPr lang="de-DE" dirty="0"/>
-              <a:t>(Bedarf für jedes Quadrat der Stadt)</a:t>
-            </a:r>
-          </a:p>
-          <a:p>
-            <a:pPr marL="171450" indent="-171450">
-              <a:buFontTx/>
-              <a:buChar char="-"/>
-            </a:pPr>
-            <a:endParaRPr lang="de-DE" dirty="0"/>
-          </a:p>
-          <a:p>
-            <a:endParaRPr lang="de-DE" dirty="0"/>
-          </a:p>
-        </p:txBody>
-      </p:sp>
-      <p:sp>
-        <p:nvSpPr>
-          <p:cNvPr id="4" name="Foliennummernplatzhalter 3"/>
-          <p:cNvSpPr>
-            <a:spLocks noGrp="1"/>
-          </p:cNvSpPr>
-          <p:nvPr>
-            <p:ph type="sldNum" sz="quarter" idx="10"/>
-          </p:nvPr>
-        </p:nvSpPr>
-        <p:spPr/>
-        <p:txBody>
-          <a:bodyPr/>
-          <a:lstStyle/>
-          <a:p>
-            <a:fld id="{FD39AED4-0914-4184-8CEC-8E6320DB219A}" type="slidenum">
-              <a:rPr lang="de-DE" smtClean="0"/>
-              <a:t>13</a:t>
-            </a:fld>
-            <a:endParaRPr lang="de-DE"/>
-          </a:p>
-        </p:txBody>
-      </p:sp>
-    </p:spTree>
-    <p:extLst>
-      <p:ext uri="{BB962C8B-B14F-4D97-AF65-F5344CB8AC3E}">
-        <p14:creationId xmlns:p14="http://schemas.microsoft.com/office/powerpoint/2010/main" val="2015519635"/>
-      </p:ext>
-    </p:extLst>
-  </p:cSld>
-  <p:clrMapOvr>
-    <a:masterClrMapping/>
-  </p:clrMapOvr>
-</p:notes>
-</file>
-
 <file path=ppt/notesSlides/notesSlide9.xml><?xml version="1.0" encoding="utf-8"?>
 <p:notes xmlns:a="http://schemas.openxmlformats.org/drawingml/2006/main" xmlns:r="http://schemas.openxmlformats.org/officeDocument/2006/relationships" xmlns:p="http://schemas.openxmlformats.org/presentationml/2006/main">
   <p:cSld>
@@ -2551,6 +2536,109 @@
           <a:bodyPr/>
           <a:lstStyle/>
           <a:p>
+            <a:r>
+              <a:rPr lang="de-DE" dirty="0"/>
+              <a:t>Datenstruktur:</a:t>
+            </a:r>
+          </a:p>
+          <a:p>
+            <a:endParaRPr lang="de-DE" dirty="0"/>
+          </a:p>
+          <a:p>
+            <a:r>
+              <a:rPr lang="de-DE" dirty="0"/>
+              <a:t>Bedarf</a:t>
+            </a:r>
+          </a:p>
+          <a:p>
+            <a:pPr marL="171450" indent="-171450">
+              <a:buFontTx/>
+              <a:buChar char="-"/>
+            </a:pPr>
+            <a:r>
+              <a:rPr lang="de-DE" dirty="0"/>
+              <a:t>Alle Änderungen in einer Liste gespeichert</a:t>
+            </a:r>
+          </a:p>
+          <a:p>
+            <a:pPr marL="171450" indent="-171450">
+              <a:buFontTx/>
+              <a:buChar char="-"/>
+            </a:pPr>
+            <a:endParaRPr lang="de-DE" dirty="0"/>
+          </a:p>
+          <a:p>
+            <a:pPr marL="0" indent="0">
+              <a:buFontTx/>
+              <a:buNone/>
+            </a:pPr>
+            <a:r>
+              <a:rPr lang="de-DE" dirty="0"/>
+              <a:t>Änderung</a:t>
+            </a:r>
+          </a:p>
+          <a:p>
+            <a:pPr marL="171450" indent="-171450">
+              <a:buFontTx/>
+              <a:buChar char="-"/>
+            </a:pPr>
+            <a:r>
+              <a:rPr lang="de-DE" dirty="0"/>
+              <a:t>Nachfrage oder Abstellung</a:t>
+            </a:r>
+          </a:p>
+          <a:p>
+            <a:pPr marL="171450" indent="-171450">
+              <a:buFontTx/>
+              <a:buChar char="-"/>
+            </a:pPr>
+            <a:r>
+              <a:rPr lang="de-DE" dirty="0"/>
+              <a:t>Referenz auf das entsprechende Polynom</a:t>
+            </a:r>
+          </a:p>
+          <a:p>
+            <a:pPr marL="171450" indent="-171450">
+              <a:buFontTx/>
+              <a:buChar char="-"/>
+            </a:pPr>
+            <a:r>
+              <a:rPr lang="de-DE" dirty="0"/>
+              <a:t>Wert  := wievieltes Auto abgestellt oder nachgefragt wird</a:t>
+            </a:r>
+          </a:p>
+          <a:p>
+            <a:pPr marL="171450" indent="-171450">
+              <a:buFontTx/>
+              <a:buChar char="-"/>
+            </a:pPr>
+            <a:endParaRPr lang="de-DE" dirty="0"/>
+          </a:p>
+          <a:p>
+            <a:pPr marL="171450" indent="-171450">
+              <a:buFontTx/>
+              <a:buChar char="-"/>
+            </a:pPr>
+            <a:endParaRPr lang="de-DE" dirty="0"/>
+          </a:p>
+          <a:p>
+            <a:pPr marL="0" indent="0">
+              <a:buFontTx/>
+              <a:buNone/>
+            </a:pPr>
+            <a:r>
+              <a:rPr lang="de-DE" dirty="0"/>
+              <a:t>(Bedarf für jedes Quadrat der Stadt)</a:t>
+            </a:r>
+          </a:p>
+          <a:p>
+            <a:pPr marL="171450" indent="-171450">
+              <a:buFontTx/>
+              <a:buChar char="-"/>
+            </a:pPr>
+            <a:endParaRPr lang="de-DE" dirty="0"/>
+          </a:p>
+          <a:p>
             <a:endParaRPr lang="de-DE" dirty="0"/>
           </a:p>
         </p:txBody>
@@ -2572,7 +2660,7 @@
           <a:p>
             <a:fld id="{FD39AED4-0914-4184-8CEC-8E6320DB219A}" type="slidenum">
               <a:rPr lang="de-DE" smtClean="0"/>
-              <a:t>14</a:t>
+              <a:t>13</a:t>
             </a:fld>
             <a:endParaRPr lang="de-DE"/>
           </a:p>
@@ -2581,7 +2669,7 @@
     </p:spTree>
     <p:extLst>
       <p:ext uri="{BB962C8B-B14F-4D97-AF65-F5344CB8AC3E}">
-        <p14:creationId xmlns:p14="http://schemas.microsoft.com/office/powerpoint/2010/main" val="3465016644"/>
+        <p14:creationId xmlns:p14="http://schemas.microsoft.com/office/powerpoint/2010/main" val="2015519635"/>
       </p:ext>
     </p:extLst>
   </p:cSld>
@@ -2633,7 +2721,7 @@
           <a:graphicData uri="http://schemas.openxmlformats.org/presentationml/2006/ole">
             <mc:AlternateContent xmlns:mc="http://schemas.openxmlformats.org/markup-compatibility/2006">
               <mc:Choice xmlns:v="urn:schemas-microsoft-com:vml" Requires="v">
-                <p:oleObj spid="_x0000_s2151" name="think-cell Folie" r:id="rId4" imgW="270" imgH="270" progId="TCLayout.ActiveDocument.1">
+                <p:oleObj spid="_x0000_s2154" name="think-cell Folie" r:id="rId4" imgW="270" imgH="270" progId="TCLayout.ActiveDocument.1">
                   <p:embed/>
                 </p:oleObj>
               </mc:Choice>
@@ -3619,7 +3707,7 @@
           <a:graphicData uri="http://schemas.openxmlformats.org/presentationml/2006/ole">
             <mc:AlternateContent xmlns:mc="http://schemas.openxmlformats.org/markup-compatibility/2006">
               <mc:Choice xmlns:v="urn:schemas-microsoft-com:vml" Requires="v">
-                <p:oleObj spid="_x0000_s4169" name="think-cell Folie" r:id="rId4" imgW="270" imgH="270" progId="TCLayout.ActiveDocument.1">
+                <p:oleObj spid="_x0000_s4172" name="think-cell Folie" r:id="rId4" imgW="270" imgH="270" progId="TCLayout.ActiveDocument.1">
                   <p:embed/>
                 </p:oleObj>
               </mc:Choice>
@@ -4010,7 +4098,7 @@
           <a:graphicData uri="http://schemas.openxmlformats.org/presentationml/2006/ole">
             <mc:AlternateContent xmlns:mc="http://schemas.openxmlformats.org/markup-compatibility/2006">
               <mc:Choice xmlns:v="urn:schemas-microsoft-com:vml" Requires="v">
-                <p:oleObj spid="_x0000_s1129" name="think-cell Folie" r:id="rId11" imgW="270" imgH="270" progId="TCLayout.ActiveDocument.1">
+                <p:oleObj spid="_x0000_s1132" name="think-cell Folie" r:id="rId11" imgW="270" imgH="270" progId="TCLayout.ActiveDocument.1">
                   <p:embed/>
                 </p:oleObj>
               </mc:Choice>
@@ -5218,7 +5306,7 @@
           <a:graphicData uri="http://schemas.openxmlformats.org/presentationml/2006/ole">
             <mc:AlternateContent xmlns:mc="http://schemas.openxmlformats.org/markup-compatibility/2006">
               <mc:Choice xmlns:v="urn:schemas-microsoft-com:vml" Requires="v">
-                <p:oleObj spid="_x0000_s3182" name="think-cell Folie" r:id="rId4" imgW="270" imgH="270" progId="TCLayout.ActiveDocument.1">
+                <p:oleObj spid="_x0000_s3185" name="think-cell Folie" r:id="rId4" imgW="270" imgH="270" progId="TCLayout.ActiveDocument.1">
                   <p:embed/>
                 </p:oleObj>
               </mc:Choice>
@@ -5627,8 +5715,8 @@
           </a:p>
         </p:txBody>
       </p:sp>
-      <mc:AlternateContent xmlns:mc="http://schemas.openxmlformats.org/markup-compatibility/2006" xmlns:a14="http://schemas.microsoft.com/office/drawing/2010/main">
-        <mc:Choice Requires="a14">
+      <mc:AlternateContent xmlns:mc="http://schemas.openxmlformats.org/markup-compatibility/2006">
+        <mc:Choice xmlns:a14="http://schemas.microsoft.com/office/drawing/2010/main" Requires="a14">
           <p:sp>
             <p:nvSpPr>
               <p:cNvPr id="5" name="Textplatzhalter 4">
@@ -5752,7 +5840,7 @@
                 </a14:m>
                 <a:r>
                   <a:rPr lang="de-DE" dirty="0"/>
-                  <a:t> geben an wann ein Auto ausgeliehen/zurückgegeben werden wird</a:t>
+                  <a:t> geben an, wann ein Auto ausgeliehen/zurückgegeben werden wird</a:t>
                 </a:r>
               </a:p>
               <a:p>
@@ -6114,7 +6202,7 @@
                 <a:pPr lvl="1"/>
                 <a:r>
                   <a:rPr lang="de-DE" dirty="0"/>
-                  <a:t>Nur Ganzzahlige Werte sind zugelassen</a:t>
+                  <a:t>Nur ganzzahlige Werte sind zugelassen</a:t>
                 </a:r>
               </a:p>
               <a:p>
@@ -6330,7 +6418,7 @@
             </p:txBody>
           </p:sp>
         </mc:Choice>
-        <mc:Fallback xmlns="">
+        <mc:Fallback>
           <p:sp>
             <p:nvSpPr>
               <p:cNvPr id="5" name="Textplatzhalter 4">
@@ -10738,7 +10826,7 @@
           <a:p>
             <a:r>
               <a:rPr lang="de-DE" dirty="0"/>
-              <a:t>Klasse Polynom für Angebot und Nachfrate</a:t>
+              <a:t>Klasse Polynom für Angebot und Nachfrage</a:t>
             </a:r>
           </a:p>
           <a:p>
@@ -10751,7 +10839,7 @@
             <a:pPr lvl="1"/>
             <a:r>
               <a:rPr lang="de-DE" dirty="0"/>
-              <a:t>verschieben der Integrale (in Y-Richtung)</a:t>
+              <a:t>Verschieben der Integrale (in Y-Richtung)</a:t>
             </a:r>
           </a:p>
           <a:p>
@@ -10762,7 +10850,7 @@
             </a:r>
             <a:r>
               <a:rPr lang="de-DE" dirty="0" err="1"/>
-              <a:t>Bisektionsverfahren</a:t>
+              <a:t>Bisektionsverfahrens</a:t>
             </a:r>
             <a:r>
               <a:rPr lang="de-DE" dirty="0"/>
@@ -11399,8 +11487,8 @@
           </a:extLst>
         </p:spPr>
       </p:cxnSp>
-      <mc:AlternateContent xmlns:mc="http://schemas.openxmlformats.org/markup-compatibility/2006">
-        <mc:Choice xmlns:a14="http://schemas.microsoft.com/office/drawing/2010/main" Requires="a14">
+      <mc:AlternateContent xmlns:mc="http://schemas.openxmlformats.org/markup-compatibility/2006" xmlns:a14="http://schemas.microsoft.com/office/drawing/2010/main">
+        <mc:Choice Requires="a14">
           <p:sp>
             <p:nvSpPr>
               <p:cNvPr id="3" name="Textfeld 2">
@@ -11538,7 +11626,7 @@
             </p:txBody>
           </p:sp>
         </mc:Choice>
-        <mc:Fallback>
+        <mc:Fallback xmlns="">
           <p:sp>
             <p:nvSpPr>
               <p:cNvPr id="3" name="Textfeld 2">
@@ -11688,12 +11776,8 @@
               <a:lstStyle/>
               <a:p>
                 <a:r>
-                  <a:rPr lang="de-DE" dirty="0" err="1"/>
-                  <a:t>Bisektionsverfahren</a:t>
-                </a:r>
-                <a:r>
                   <a:rPr lang="de-DE" dirty="0"/>
-                  <a:t> ist ein verfahren zum Bestimmen von Nullstellen (NST)</a:t>
+                  <a:t>Bisektionsverfahren ist ein Verfahren zum Bestimmen von Nullstellen (NST)</a:t>
                 </a:r>
               </a:p>
               <a:p>
@@ -11709,7 +11793,7 @@
                 </a:pPr>
                 <a:r>
                   <a:rPr lang="de-DE" dirty="0"/>
-                  <a:t>Die Funktion wird in Y Richtung verschoben damit die gesuchte Änderung auf der X Achse liegt</a:t>
+                  <a:t>Die Funktion wird in Y Richtung verschoben, damit die gesuchte Änderung auf der X Achse liegt</a:t>
                 </a:r>
               </a:p>
               <a:p>
@@ -11739,7 +11823,7 @@
                 </a:pPr>
                 <a:r>
                   <a:rPr lang="de-DE" dirty="0"/>
-                  <a:t>Widerholen von schritt 3 bis gewünschte Genauigkeit erreicht </a:t>
+                  <a:t>Widerholen von Schritt 3 bis gewünschte Genauigkeit erreicht </a:t>
                 </a:r>
               </a:p>
               <a:p>
@@ -11840,10 +11924,16 @@
                             </m:num>
                             <m:den>
                               <m:r>
+                                <a:rPr lang="de-DE" b="0" i="1" smtClean="0">
+                                  <a:latin typeface="Cambria Math" panose="02040503050406030204" pitchFamily="18" charset="0"/>
+                                </a:rPr>
+                                <m:t>𝐺</m:t>
+                              </m:r>
+                              <m:r>
                                 <a:rPr lang="de-DE" i="1">
                                   <a:latin typeface="Cambria Math" panose="02040503050406030204" pitchFamily="18" charset="0"/>
                                 </a:rPr>
-                                <m:t>𝑔𝑒𝑛𝑎𝑢𝑖𝑔𝑘𝑒𝑖𝑡</m:t>
+                                <m:t>𝑒𝑛𝑎𝑢𝑖𝑔𝑘𝑒𝑖𝑡</m:t>
                               </m:r>
                             </m:den>
                           </m:f>
@@ -16405,14 +16495,14 @@
               <a:p>
                 <a:r>
                   <a:rPr lang="de-DE" dirty="0"/>
-                  <a:t>Der Maximaler Bedarf entspricht dem Maximalen Funktionswert der Bedarfsfunktion</a:t>
+                  <a:t>Der maximale Bedarf entspricht dem maximalen Funktionswert der Bedarfsfunktion</a:t>
                 </a:r>
               </a:p>
               <a:p>
                 <a:pPr lvl="1"/>
                 <a:r>
                   <a:rPr lang="de-DE" dirty="0"/>
-                  <a:t>Alle Änderungen werden nach Zeitlichem Auftreten sortiert (bei gleichzeitigem Änderungen hat die Abstellung Vorrang</a:t>
+                  <a:t>Alle Änderungen werden nach zeitlichem Auftreten sortiert (bei gleichzeitigen Änderungen hat die Abstellung Vorrang)</a:t>
                 </a:r>
               </a:p>
               <a:p>
@@ -19886,7 +19976,7 @@
             <a:pPr lvl="1"/>
             <a:r>
               <a:rPr lang="de-DE" dirty="0"/>
-              <a:t>Fälle bei denen eine Berechnung der Lösung nicht möglich ist</a:t>
+              <a:t>Fälle, bei denen eine Berechnung der Lösung nicht möglich ist</a:t>
             </a:r>
           </a:p>
           <a:p>
@@ -19902,7 +19992,7 @@
             <a:pPr lvl="1"/>
             <a:r>
               <a:rPr lang="de-DE" dirty="0"/>
-              <a:t>Testen von Besonderheiten die nur manchmal auftreten</a:t>
+              <a:t>Testen von Besonderheiten, die nur manchmal auftreten</a:t>
             </a:r>
           </a:p>
         </p:txBody>
@@ -21138,14 +21228,14 @@
           <a:p>
             <a:r>
               <a:rPr lang="de-DE" dirty="0"/>
-              <a:t>Verwendung von Interfaces erlaubt es Eingabe und Ausgabeformat beliebig auszutauschen z. B.:</a:t>
+              <a:t>Verwendung von Interfaces erlaubt es, Eingabe und Ausgabeformat beliebig auszutauschen z. B.:</a:t>
             </a:r>
           </a:p>
           <a:p>
             <a:pPr lvl="1"/>
             <a:r>
               <a:rPr lang="de-DE" dirty="0"/>
-              <a:t>Anders Dateiformat</a:t>
+              <a:t>Anderes Dateiformat</a:t>
             </a:r>
           </a:p>
           <a:p>
@@ -21185,7 +21275,7 @@
             <a:pPr lvl="1"/>
             <a:r>
               <a:rPr lang="de-DE" dirty="0"/>
-              <a:t>Beschleunigung des Algorithmus zu lasten der Genauigkeit</a:t>
+              <a:t>Beschleunigung des Algorithmus zu Lasten der Genauigkeit</a:t>
             </a:r>
           </a:p>
           <a:p>
@@ -23697,15 +23787,7 @@
           <a:p>
             <a:r>
               <a:rPr lang="de-DE" dirty="0"/>
-              <a:t>Berufskolleg Alsdorf – </a:t>
-            </a:r>
-            <a:r>
-              <a:rPr lang="de-DE" dirty="0" err="1"/>
-              <a:t>Infomrationstechnischer</a:t>
-            </a:r>
-            <a:r>
-              <a:rPr lang="de-DE" dirty="0"/>
-              <a:t> Assistent</a:t>
+              <a:t>Berufskolleg Alsdorf – Informationstechnischer Assistent</a:t>
             </a:r>
           </a:p>
           <a:p>
@@ -24644,7 +24726,7 @@
       <p:sp>
         <p:nvSpPr>
           <p:cNvPr id="15" name="Rechteck 14">
-            <a:hlinkClick r:id="rId15" action="ppaction://hlinksldjump"/>
+            <a:hlinkClick r:id="rId16" action="ppaction://hlinksldjump"/>
           </p:cNvPr>
           <p:cNvSpPr/>
           <p:nvPr>
@@ -24734,7 +24816,7 @@
       <p:sp>
         <p:nvSpPr>
           <p:cNvPr id="32" name="Rechteck 31">
-            <a:hlinkClick r:id="rId16" action="ppaction://hlinksldjump"/>
+            <a:hlinkClick r:id="rId17" action="ppaction://hlinksldjump"/>
             <a:extLst>
               <a:ext uri="{FF2B5EF4-FFF2-40B4-BE49-F238E27FC236}">
                 <a16:creationId xmlns:a16="http://schemas.microsoft.com/office/drawing/2014/main" id="{D563741F-D5A9-4F00-A82B-8F115FECAA82}"/>
@@ -24805,7 +24887,7 @@
       <p:sp>
         <p:nvSpPr>
           <p:cNvPr id="33" name="Rechteck 32">
-            <a:hlinkClick r:id="rId16" action="ppaction://hlinksldjump"/>
+            <a:hlinkClick r:id="rId17" action="ppaction://hlinksldjump"/>
             <a:extLst>
               <a:ext uri="{FF2B5EF4-FFF2-40B4-BE49-F238E27FC236}">
                 <a16:creationId xmlns:a16="http://schemas.microsoft.com/office/drawing/2014/main" id="{743C2D6B-15C9-45C4-A9DE-21996889AC1B}"/>
@@ -24875,7 +24957,7 @@
       <p:sp>
         <p:nvSpPr>
           <p:cNvPr id="34" name="Rechteck 33">
-            <a:hlinkClick r:id="rId15" action="ppaction://hlinksldjump"/>
+            <a:hlinkClick r:id="rId16" action="ppaction://hlinksldjump"/>
             <a:extLst>
               <a:ext uri="{FF2B5EF4-FFF2-40B4-BE49-F238E27FC236}">
                 <a16:creationId xmlns:a16="http://schemas.microsoft.com/office/drawing/2014/main" id="{148292FB-2D3E-4834-9B1B-05ADBD7389D6}"/>
@@ -24946,7 +25028,7 @@
       <p:sp>
         <p:nvSpPr>
           <p:cNvPr id="36" name="Rechteck 35">
-            <a:hlinkClick r:id="rId17" action="ppaction://hlinksldjump"/>
+            <a:hlinkClick r:id="rId18" action="ppaction://hlinksldjump"/>
             <a:extLst>
               <a:ext uri="{FF2B5EF4-FFF2-40B4-BE49-F238E27FC236}">
                 <a16:creationId xmlns:a16="http://schemas.microsoft.com/office/drawing/2014/main" id="{EE3437A9-695A-4121-81F2-8C0E7BE47DC0}"/>
@@ -25017,7 +25099,7 @@
       <p:sp>
         <p:nvSpPr>
           <p:cNvPr id="37" name="Rechteck 36">
-            <a:hlinkClick r:id="rId17" action="ppaction://hlinksldjump"/>
+            <a:hlinkClick r:id="rId18" action="ppaction://hlinksldjump"/>
             <a:extLst>
               <a:ext uri="{FF2B5EF4-FFF2-40B4-BE49-F238E27FC236}">
                 <a16:creationId xmlns:a16="http://schemas.microsoft.com/office/drawing/2014/main" id="{6A8B14A9-E9AF-4D53-B90C-D9A5129BE06B}"/>
@@ -25087,7 +25169,7 @@
       <p:sp>
         <p:nvSpPr>
           <p:cNvPr id="13" name="Rechteck 12">
-            <a:hlinkClick r:id="rId18" action="ppaction://hlinksldjump"/>
+            <a:hlinkClick r:id="rId19" action="ppaction://hlinksldjump"/>
             <a:extLst>
               <a:ext uri="{FF2B5EF4-FFF2-40B4-BE49-F238E27FC236}">
                 <a16:creationId xmlns:a16="http://schemas.microsoft.com/office/drawing/2014/main" id="{277F09A8-3324-4196-AA6E-B19CF64F3622}"/>
@@ -25158,7 +25240,7 @@
       <p:sp>
         <p:nvSpPr>
           <p:cNvPr id="14" name="Rechteck 13">
-            <a:hlinkClick r:id="rId18" action="ppaction://hlinksldjump"/>
+            <a:hlinkClick r:id="rId19" action="ppaction://hlinksldjump"/>
             <a:extLst>
               <a:ext uri="{FF2B5EF4-FFF2-40B4-BE49-F238E27FC236}">
                 <a16:creationId xmlns:a16="http://schemas.microsoft.com/office/drawing/2014/main" id="{C47265D0-3D48-4D49-82C5-702E1A3DC28F}"/>
@@ -25228,7 +25310,7 @@
       <p:sp>
         <p:nvSpPr>
           <p:cNvPr id="16" name="Rechteck 15">
-            <a:hlinkClick r:id="rId18" action="ppaction://hlinksldjump"/>
+            <a:hlinkClick r:id="rId19" action="ppaction://hlinksldjump"/>
             <a:extLst>
               <a:ext uri="{FF2B5EF4-FFF2-40B4-BE49-F238E27FC236}">
                 <a16:creationId xmlns:a16="http://schemas.microsoft.com/office/drawing/2014/main" id="{35AAE949-D101-4A8B-AD9C-5EBA2C8B6FE6}"/>
@@ -25299,7 +25381,7 @@
       <p:sp>
         <p:nvSpPr>
           <p:cNvPr id="18" name="Rechteck 17">
-            <a:hlinkClick r:id="rId18" action="ppaction://hlinksldjump"/>
+            <a:hlinkClick r:id="rId19" action="ppaction://hlinksldjump"/>
             <a:extLst>
               <a:ext uri="{FF2B5EF4-FFF2-40B4-BE49-F238E27FC236}">
                 <a16:creationId xmlns:a16="http://schemas.microsoft.com/office/drawing/2014/main" id="{D89210E4-D53C-4008-9E49-07FEC2F726A4}"/>
@@ -25517,8 +25599,8 @@
           </a:p>
         </p:txBody>
       </p:sp>
-      <mc:AlternateContent xmlns:mc="http://schemas.openxmlformats.org/markup-compatibility/2006" xmlns:a14="http://schemas.microsoft.com/office/drawing/2010/main">
-        <mc:Choice Requires="a14">
+      <mc:AlternateContent xmlns:mc="http://schemas.openxmlformats.org/markup-compatibility/2006">
+        <mc:Choice xmlns:a14="http://schemas.microsoft.com/office/drawing/2010/main" Requires="a14">
           <p:sp>
             <p:nvSpPr>
               <p:cNvPr id="3" name="Textplatzhalter 2"/>
@@ -25628,7 +25710,7 @@
                 <a:pPr lvl="1"/>
                 <a:r>
                   <a:rPr lang="de-DE" dirty="0"/>
-                  <a:t>Tageszeitabhängige Nachfragepolynom </a:t>
+                  <a:t>Tageszeitabhängiges Nachfragepolynom </a:t>
                 </a:r>
                 <a14:m>
                   <m:oMath xmlns:m="http://schemas.openxmlformats.org/officeDocument/2006/math">
@@ -25726,7 +25808,7 @@
                 <a:pPr lvl="1"/>
                 <a:r>
                   <a:rPr lang="de-DE" dirty="0"/>
-                  <a:t>Tageszeitabhängige Abstellungspolynom </a:t>
+                  <a:t>Tageszeitabhängiges Abstellungspolynom </a:t>
                 </a:r>
                 <a14:m>
                   <m:oMath xmlns:m="http://schemas.openxmlformats.org/officeDocument/2006/math">
@@ -25832,7 +25914,7 @@
               <a:p>
                 <a:r>
                   <a:rPr lang="de-DE" dirty="0"/>
-                  <a:t>Daten werden in Eingabedatei Übergeben</a:t>
+                  <a:t>Daten werden in Eingabedatei übergeben</a:t>
                 </a:r>
               </a:p>
               <a:p>
@@ -25899,7 +25981,7 @@
                 <a:pPr lvl="1"/>
                 <a:r>
                   <a:rPr lang="de-DE" dirty="0"/>
-                  <a:t>Maximaler Bedarf, also maximum von </a:t>
+                  <a:t>Maximaler Bedarf, also Maximum von </a:t>
                 </a:r>
                 <a14:m>
                   <m:oMath xmlns:m="http://schemas.openxmlformats.org/officeDocument/2006/math">
@@ -26005,7 +26087,7 @@
             </p:txBody>
           </p:sp>
         </mc:Choice>
-        <mc:Fallback xmlns="">
+        <mc:Fallback>
           <p:sp>
             <p:nvSpPr>
               <p:cNvPr id="3" name="Textplatzhalter 2"/>
@@ -27854,7 +27936,7 @@
           <a:p>
             <a:r>
               <a:rPr lang="de-DE" dirty="0"/>
-              <a:t>In EingabeDaten befinden sich alle Daten die das Programm zum erzeugen der Ausgabedaten benötigt</a:t>
+              <a:t>In EingabeDaten befinden sich alle Daten, die das Programm zum Erzeugen der Ausgabedaten benötigt</a:t>
             </a:r>
           </a:p>
           <a:p>

--- a/Vortrag/Vortrag Überarbeitet.pptx
+++ b/Vortrag/Vortrag Überarbeitet.pptx
@@ -1469,38 +1469,6 @@
         <p:txBody>
           <a:bodyPr/>
           <a:lstStyle/>
-          <a:p>
-            <a:r>
-              <a:rPr lang="de-DE" dirty="0"/>
-              <a:t>Ggf. Was ist das WZL ?</a:t>
-            </a:r>
-          </a:p>
-          <a:p>
-            <a:endParaRPr lang="de-DE" dirty="0"/>
-          </a:p>
-          <a:p>
-            <a:r>
-              <a:rPr lang="de-DE" u="sng" strike="noStrike" dirty="0">
-                <a:effectLst/>
-              </a:rPr>
-              <a:t>MES </a:t>
-            </a:r>
-            <a:r>
-              <a:rPr lang="de-DE" u="sng" strike="noStrike" dirty="0" err="1">
-                <a:effectLst/>
-              </a:rPr>
-              <a:t>vs</a:t>
-            </a:r>
-            <a:r>
-              <a:rPr lang="de-DE" u="sng" strike="noStrike" dirty="0">
-                <a:effectLst/>
-              </a:rPr>
-              <a:t> Leitsystem ???</a:t>
-            </a:r>
-          </a:p>
-          <a:p>
-            <a:endParaRPr lang="de-DE" dirty="0"/>
-          </a:p>
           <a:p>
             <a:r>
               <a:rPr lang="de-DE" dirty="0"/>
@@ -2827,7 +2795,7 @@
           <a:graphicData uri="http://schemas.openxmlformats.org/presentationml/2006/ole">
             <mc:AlternateContent xmlns:mc="http://schemas.openxmlformats.org/markup-compatibility/2006">
               <mc:Choice xmlns:v="urn:schemas-microsoft-com:vml" Requires="v">
-                <p:oleObj spid="_x0000_s2161" name="think-cell Folie" r:id="rId4" imgW="270" imgH="270" progId="TCLayout.ActiveDocument.1">
+                <p:oleObj spid="_x0000_s2166" name="think-cell Folie" r:id="rId4" imgW="270" imgH="270" progId="TCLayout.ActiveDocument.1">
                   <p:embed/>
                 </p:oleObj>
               </mc:Choice>
@@ -3813,7 +3781,7 @@
           <a:graphicData uri="http://schemas.openxmlformats.org/presentationml/2006/ole">
             <mc:AlternateContent xmlns:mc="http://schemas.openxmlformats.org/markup-compatibility/2006">
               <mc:Choice xmlns:v="urn:schemas-microsoft-com:vml" Requires="v">
-                <p:oleObj spid="_x0000_s4179" name="think-cell Folie" r:id="rId4" imgW="270" imgH="270" progId="TCLayout.ActiveDocument.1">
+                <p:oleObj spid="_x0000_s4184" name="think-cell Folie" r:id="rId4" imgW="270" imgH="270" progId="TCLayout.ActiveDocument.1">
                   <p:embed/>
                 </p:oleObj>
               </mc:Choice>
@@ -4204,7 +4172,7 @@
           <a:graphicData uri="http://schemas.openxmlformats.org/presentationml/2006/ole">
             <mc:AlternateContent xmlns:mc="http://schemas.openxmlformats.org/markup-compatibility/2006">
               <mc:Choice xmlns:v="urn:schemas-microsoft-com:vml" Requires="v">
-                <p:oleObj spid="_x0000_s1139" name="think-cell Folie" r:id="rId11" imgW="270" imgH="270" progId="TCLayout.ActiveDocument.1">
+                <p:oleObj spid="_x0000_s1144" name="think-cell Folie" r:id="rId11" imgW="270" imgH="270" progId="TCLayout.ActiveDocument.1">
                   <p:embed/>
                 </p:oleObj>
               </mc:Choice>
@@ -5412,7 +5380,7 @@
           <a:graphicData uri="http://schemas.openxmlformats.org/presentationml/2006/ole">
             <mc:AlternateContent xmlns:mc="http://schemas.openxmlformats.org/markup-compatibility/2006">
               <mc:Choice xmlns:v="urn:schemas-microsoft-com:vml" Requires="v">
-                <p:oleObj spid="_x0000_s3192" name="think-cell Folie" r:id="rId4" imgW="270" imgH="270" progId="TCLayout.ActiveDocument.1">
+                <p:oleObj spid="_x0000_s3197" name="think-cell Folie" r:id="rId4" imgW="270" imgH="270" progId="TCLayout.ActiveDocument.1">
                   <p:embed/>
                 </p:oleObj>
               </mc:Choice>
@@ -15880,7 +15848,17 @@
             </a:r>
           </a:p>
           <a:p>
-            <a:endParaRPr lang="de-DE" dirty="0"/>
+            <a:r>
+              <a:rPr lang="de-DE" dirty="0"/>
+              <a:t>Normalfälle</a:t>
+            </a:r>
+          </a:p>
+          <a:p>
+            <a:pPr lvl="1"/>
+            <a:r>
+              <a:rPr lang="de-DE" dirty="0"/>
+              <a:t>Typische Fälle</a:t>
+            </a:r>
           </a:p>
           <a:p>
             <a:r>
@@ -24624,7 +24602,7 @@
             <a:pPr lvl="1"/>
             <a:r>
               <a:rPr lang="de-DE" kern="0" dirty="0"/>
-              <a:t>Weiterentwicklung eines Biotechnologischen Leitsystems</a:t>
+              <a:t>Weiterentwicklung eines Biotechnologischen MES</a:t>
             </a:r>
           </a:p>
           <a:p>
@@ -25710,8 +25688,8 @@
           </a:p>
         </p:txBody>
       </p:sp>
-      <mc:AlternateContent xmlns:mc="http://schemas.openxmlformats.org/markup-compatibility/2006" xmlns:a14="http://schemas.microsoft.com/office/drawing/2010/main">
-        <mc:Choice Requires="a14">
+      <mc:AlternateContent xmlns:mc="http://schemas.openxmlformats.org/markup-compatibility/2006">
+        <mc:Choice xmlns:a14="http://schemas.microsoft.com/office/drawing/2010/main" Requires="a14">
           <p:sp>
             <p:nvSpPr>
               <p:cNvPr id="3" name="Textplatzhalter 2"/>
@@ -26019,13 +25997,7 @@
                 </a:pPr>
                 <a:r>
                   <a:rPr lang="de-DE" dirty="0"/>
-                  <a:t>	Zur Bestimmung wann wie viele Autos des Carsharing-	Dienstes angeboten bzw. nachgefragt werden</a:t>
-                </a:r>
-              </a:p>
-              <a:p>
-                <a:r>
-                  <a:rPr lang="de-DE" dirty="0"/>
-                  <a:t>Daten werden in Eingabedatei übergeben</a:t>
+                  <a:t>	die angeben wie viele Autos des Carsharing-	Dienstes angeboten bzw. nachgefragt werden</a:t>
                 </a:r>
               </a:p>
               <a:p>
@@ -26036,6 +26008,14 @@
               </a:p>
               <a:p>
                 <a:pPr lvl="1"/>
+                <a:r>
+                  <a:rPr lang="de-DE" b="1" dirty="0"/>
+                  <a:t>Simulationsverlauf</a:t>
+                </a:r>
+                <a:r>
+                  <a:rPr lang="de-DE" dirty="0"/>
+                  <a:t> also </a:t>
+                </a:r>
                 <a14:m>
                   <m:oMath xmlns:m="http://schemas.openxmlformats.org/officeDocument/2006/math">
                     <m:sSub>
@@ -26197,16 +26177,10 @@
                 </a14:m>
                 <a:endParaRPr lang="de-DE" dirty="0"/>
               </a:p>
-              <a:p>
-                <a:r>
-                  <a:rPr lang="de-DE" dirty="0"/>
-                  <a:t>Berechnete Daten werden in einer Ausgabedatei gespeichert</a:t>
-                </a:r>
-              </a:p>
             </p:txBody>
           </p:sp>
         </mc:Choice>
-        <mc:Fallback xmlns="">
+        <mc:Fallback>
           <p:sp>
             <p:nvSpPr>
               <p:cNvPr id="3" name="Textplatzhalter 2"/>

--- a/Vortrag/Vortrag Überarbeitet.pptx
+++ b/Vortrag/Vortrag Überarbeitet.pptx
@@ -254,7 +254,7 @@
           <a:p>
             <a:fld id="{99FD8356-C095-4EDD-9AA3-D4CB5ADA83BF}" type="datetimeFigureOut">
               <a:rPr lang="de-DE" smtClean="0"/>
-              <a:t>22.08.2017</a:t>
+              <a:t>23.08.2017</a:t>
             </a:fld>
             <a:endParaRPr lang="de-DE"/>
           </a:p>
@@ -2715,6 +2715,27 @@
               <a:t> =&gt; Sortierung nach zeitlichem Auftreten =&gt; Durchlaufen aller Änderungen &amp; Maximum bestimmen</a:t>
             </a:r>
           </a:p>
+          <a:p>
+            <a:endParaRPr lang="de-DE" dirty="0"/>
+          </a:p>
+          <a:p>
+            <a:r>
+              <a:rPr lang="de-DE" b="1" dirty="0"/>
+              <a:t>Simulationsverlauf</a:t>
+            </a:r>
+            <a:r>
+              <a:rPr lang="de-DE" dirty="0"/>
+              <a:t> =&gt; Zeitlich sortierte Änderungen zu </a:t>
+            </a:r>
+            <a:r>
+              <a:rPr lang="de-DE" dirty="0" err="1"/>
+              <a:t>string</a:t>
+            </a:r>
+            <a:r>
+              <a:rPr lang="de-DE" dirty="0"/>
+              <a:t> in eine Liste</a:t>
+            </a:r>
+          </a:p>
         </p:txBody>
       </p:sp>
       <p:sp>
@@ -2795,7 +2816,7 @@
           <a:graphicData uri="http://schemas.openxmlformats.org/presentationml/2006/ole">
             <mc:AlternateContent xmlns:mc="http://schemas.openxmlformats.org/markup-compatibility/2006">
               <mc:Choice xmlns:v="urn:schemas-microsoft-com:vml" Requires="v">
-                <p:oleObj spid="_x0000_s2166" name="think-cell Folie" r:id="rId4" imgW="270" imgH="270" progId="TCLayout.ActiveDocument.1">
+                <p:oleObj spid="_x0000_s2169" name="think-cell Folie" r:id="rId4" imgW="270" imgH="270" progId="TCLayout.ActiveDocument.1">
                   <p:embed/>
                 </p:oleObj>
               </mc:Choice>
@@ -3781,7 +3802,7 @@
           <a:graphicData uri="http://schemas.openxmlformats.org/presentationml/2006/ole">
             <mc:AlternateContent xmlns:mc="http://schemas.openxmlformats.org/markup-compatibility/2006">
               <mc:Choice xmlns:v="urn:schemas-microsoft-com:vml" Requires="v">
-                <p:oleObj spid="_x0000_s4184" name="think-cell Folie" r:id="rId4" imgW="270" imgH="270" progId="TCLayout.ActiveDocument.1">
+                <p:oleObj spid="_x0000_s4187" name="think-cell Folie" r:id="rId4" imgW="270" imgH="270" progId="TCLayout.ActiveDocument.1">
                   <p:embed/>
                 </p:oleObj>
               </mc:Choice>
@@ -4172,7 +4193,7 @@
           <a:graphicData uri="http://schemas.openxmlformats.org/presentationml/2006/ole">
             <mc:AlternateContent xmlns:mc="http://schemas.openxmlformats.org/markup-compatibility/2006">
               <mc:Choice xmlns:v="urn:schemas-microsoft-com:vml" Requires="v">
-                <p:oleObj spid="_x0000_s1144" name="think-cell Folie" r:id="rId11" imgW="270" imgH="270" progId="TCLayout.ActiveDocument.1">
+                <p:oleObj spid="_x0000_s1147" name="think-cell Folie" r:id="rId11" imgW="270" imgH="270" progId="TCLayout.ActiveDocument.1">
                   <p:embed/>
                 </p:oleObj>
               </mc:Choice>
@@ -5380,7 +5401,7 @@
           <a:graphicData uri="http://schemas.openxmlformats.org/presentationml/2006/ole">
             <mc:AlternateContent xmlns:mc="http://schemas.openxmlformats.org/markup-compatibility/2006">
               <mc:Choice xmlns:v="urn:schemas-microsoft-com:vml" Requires="v">
-                <p:oleObj spid="_x0000_s3197" name="think-cell Folie" r:id="rId4" imgW="270" imgH="270" progId="TCLayout.ActiveDocument.1">
+                <p:oleObj spid="_x0000_s3200" name="think-cell Folie" r:id="rId4" imgW="270" imgH="270" progId="TCLayout.ActiveDocument.1">
                   <p:embed/>
                 </p:oleObj>
               </mc:Choice>
@@ -12200,6 +12221,90 @@
           </a:p>
         </p:txBody>
       </p:sp>
+      <p:sp>
+        <p:nvSpPr>
+          <p:cNvPr id="11" name="Rechteck 10">
+            <a:extLst>
+              <a:ext uri="{FF2B5EF4-FFF2-40B4-BE49-F238E27FC236}">
+                <a16:creationId xmlns:a16="http://schemas.microsoft.com/office/drawing/2014/main" id="{5E3954B3-2A21-42D7-97F5-DCDCFDA6C799}"/>
+              </a:ext>
+            </a:extLst>
+          </p:cNvPr>
+          <p:cNvSpPr/>
+          <p:nvPr/>
+        </p:nvSpPr>
+        <p:spPr bwMode="auto">
+          <a:xfrm>
+            <a:off x="2227543" y="5311318"/>
+            <a:ext cx="2788957" cy="149682"/>
+          </a:xfrm>
+          <a:prstGeom prst="rect">
+            <a:avLst/>
+          </a:prstGeom>
+          <a:noFill/>
+          <a:ln w="19050" cap="flat" cmpd="sng" algn="ctr">
+            <a:solidFill>
+              <a:schemeClr val="accent5"/>
+            </a:solidFill>
+            <a:prstDash val="solid"/>
+            <a:round/>
+            <a:headEnd type="none" w="med" len="med"/>
+            <a:tailEnd type="none" w="med" len="med"/>
+          </a:ln>
+          <a:extLst/>
+        </p:spPr>
+        <p:style>
+          <a:lnRef idx="0">
+            <a:scrgbClr r="0" g="0" b="0"/>
+          </a:lnRef>
+          <a:fillRef idx="0">
+            <a:scrgbClr r="0" g="0" b="0"/>
+          </a:fillRef>
+          <a:effectRef idx="0">
+            <a:scrgbClr r="0" g="0" b="0"/>
+          </a:effectRef>
+          <a:fontRef idx="minor">
+            <a:schemeClr val="accent5"/>
+          </a:fontRef>
+        </p:style>
+        <p:txBody>
+          <a:bodyPr rot="0" spcFirstLastPara="0" vertOverflow="overflow" horzOverflow="overflow" vert="horz" wrap="square" lIns="91440" tIns="45720" rIns="91440" bIns="45720" numCol="1" spcCol="0" rtlCol="0" fromWordArt="0" anchor="ctr" anchorCtr="0" forceAA="0" compatLnSpc="1">
+            <a:prstTxWarp prst="textNoShape">
+              <a:avLst/>
+            </a:prstTxWarp>
+            <a:noAutofit/>
+          </a:bodyPr>
+          <a:lstStyle/>
+          <a:p>
+            <a:pPr marL="0" marR="0" indent="0" algn="ctr" defTabSz="914400" rtl="0" eaLnBrk="1" fontAlgn="base" latinLnBrk="0" hangingPunct="1">
+              <a:lnSpc>
+                <a:spcPct val="100000"/>
+              </a:lnSpc>
+              <a:spcBef>
+                <a:spcPct val="0"/>
+              </a:spcBef>
+              <a:spcAft>
+                <a:spcPct val="0"/>
+              </a:spcAft>
+              <a:buClrTx/>
+              <a:buSzTx/>
+              <a:buFontTx/>
+              <a:buNone/>
+              <a:tabLst/>
+            </a:pPr>
+            <a:endParaRPr kumimoji="0" lang="de-DE" sz="1800" b="0" i="0" u="none" strike="noStrike" cap="none" normalizeH="0" baseline="0" dirty="0" err="1">
+              <a:ln>
+                <a:noFill/>
+              </a:ln>
+              <a:solidFill>
+                <a:schemeClr val="bg1"/>
+              </a:solidFill>
+              <a:effectLst/>
+              <a:latin typeface="Arial" charset="0"/>
+            </a:endParaRPr>
+          </a:p>
+        </p:txBody>
+      </p:sp>
     </p:spTree>
     <p:custDataLst>
       <p:tags r:id="rId1"/>
@@ -12275,8 +12380,8 @@
           </a:p>
         </p:txBody>
       </p:sp>
-      <mc:AlternateContent xmlns:mc="http://schemas.openxmlformats.org/markup-compatibility/2006" xmlns:a14="http://schemas.microsoft.com/office/drawing/2010/main">
-        <mc:Choice Requires="a14">
+      <mc:AlternateContent xmlns:mc="http://schemas.openxmlformats.org/markup-compatibility/2006">
+        <mc:Choice xmlns:a14="http://schemas.microsoft.com/office/drawing/2010/main" Requires="a14">
           <p:sp>
             <p:nvSpPr>
               <p:cNvPr id="6" name="Textplatzhalter 5">
@@ -12363,27 +12468,40 @@
               <a:p>
                 <a:r>
                   <a:rPr lang="de-DE" dirty="0"/>
-                  <a:t>Der maximale Bedarf entspricht dem maximalen Funktionswert der Bedarfsfunktion</a:t>
+                  <a:t>Bestimmen des Simulationsverlaufs</a:t>
                 </a:r>
               </a:p>
               <a:p>
                 <a:pPr lvl="1"/>
                 <a:r>
                   <a:rPr lang="de-DE" dirty="0"/>
-                  <a:t>Alle Änderungen werden nach zeitlichem Auftreten sortiert (bei gleichzeitigen Änderungen hat die Abstellung Vorrang)</a:t>
+                  <a:t>Änderungen sortiert nach zeitlichem Auftreten</a:t>
+                </a:r>
+              </a:p>
+              <a:p>
+                <a:r>
+                  <a:rPr lang="de-DE" dirty="0"/>
+                  <a:t>Der maximale Bedarf </a:t>
                 </a:r>
               </a:p>
               <a:p>
                 <a:pPr lvl="1"/>
                 <a:r>
                   <a:rPr lang="de-DE" dirty="0"/>
-                  <a:t>Es wird durch alle Änderungen iteriert und so der Maximalwert ermittelt</a:t>
+                  <a:t>Alle Änderungen werden nach zeitlichem Auftreten sortiert</a:t>
+                </a:r>
+              </a:p>
+              <a:p>
+                <a:pPr lvl="1"/>
+                <a:r>
+                  <a:rPr lang="de-DE" dirty="0"/>
+                  <a:t>Maximalwert wird ermittelt</a:t>
                 </a:r>
               </a:p>
             </p:txBody>
           </p:sp>
         </mc:Choice>
-        <mc:Fallback xmlns="">
+        <mc:Fallback>
           <p:sp>
             <p:nvSpPr>
               <p:cNvPr id="6" name="Textplatzhalter 5">
@@ -25688,8 +25806,8 @@
           </a:p>
         </p:txBody>
       </p:sp>
-      <mc:AlternateContent xmlns:mc="http://schemas.openxmlformats.org/markup-compatibility/2006">
-        <mc:Choice xmlns:a14="http://schemas.microsoft.com/office/drawing/2010/main" Requires="a14">
+      <mc:AlternateContent xmlns:mc="http://schemas.openxmlformats.org/markup-compatibility/2006" xmlns:a14="http://schemas.microsoft.com/office/drawing/2010/main">
+        <mc:Choice Requires="a14">
           <p:sp>
             <p:nvSpPr>
               <p:cNvPr id="3" name="Textplatzhalter 2"/>
@@ -26180,7 +26298,7 @@
             </p:txBody>
           </p:sp>
         </mc:Choice>
-        <mc:Fallback>
+        <mc:Fallback xmlns="">
           <p:sp>
             <p:nvSpPr>
               <p:cNvPr id="3" name="Textplatzhalter 2"/>
